--- a/public/file/OthelloWeb.pptx
+++ b/public/file/OthelloWeb.pptx
@@ -212,7 +212,7 @@
           <a:p>
             <a:fld id="{3951B763-F57B-4EE3-A7BE-A14C9486EEA7}" type="datetimeFigureOut">
               <a:rPr lang="zh-TW" altLang="en-US" smtClean="0"/>
-              <a:t>2023/11/18</a:t>
+              <a:t>2023/12/5</a:t>
             </a:fld>
             <a:endParaRPr lang="zh-TW" altLang="en-US"/>
           </a:p>
@@ -791,7 +791,7 @@
           <a:p>
             <a:fld id="{60A6C780-305B-4047-8E71-137415D1F110}" type="datetimeFigureOut">
               <a:rPr lang="zh-TW" altLang="en-US" smtClean="0"/>
-              <a:t>2023/11/18</a:t>
+              <a:t>2023/12/5</a:t>
             </a:fld>
             <a:endParaRPr lang="zh-TW" altLang="en-US"/>
           </a:p>
@@ -849,13 +849,13 @@
   <p:clrMapOvr>
     <a:masterClrMapping/>
   </p:clrMapOvr>
-  <mc:AlternateContent xmlns:mc="http://schemas.openxmlformats.org/markup-compatibility/2006">
-    <mc:Choice xmlns:p14="http://schemas.microsoft.com/office/powerpoint/2010/main" Requires="p14">
+  <mc:AlternateContent xmlns:mc="http://schemas.openxmlformats.org/markup-compatibility/2006" xmlns:p14="http://schemas.microsoft.com/office/powerpoint/2010/main">
+    <mc:Choice Requires="p14">
       <p:transition spd="med" p14:dur="700">
         <p:fade/>
       </p:transition>
     </mc:Choice>
-    <mc:Fallback>
+    <mc:Fallback xmlns="">
       <p:transition spd="med">
         <p:fade/>
       </p:transition>
@@ -980,7 +980,7 @@
           <a:p>
             <a:fld id="{60A6C780-305B-4047-8E71-137415D1F110}" type="datetimeFigureOut">
               <a:rPr lang="zh-TW" altLang="en-US" smtClean="0"/>
-              <a:t>2023/11/18</a:t>
+              <a:t>2023/12/5</a:t>
             </a:fld>
             <a:endParaRPr lang="zh-TW" altLang="en-US"/>
           </a:p>
@@ -1038,13 +1038,13 @@
   <p:clrMapOvr>
     <a:masterClrMapping/>
   </p:clrMapOvr>
-  <mc:AlternateContent xmlns:mc="http://schemas.openxmlformats.org/markup-compatibility/2006">
-    <mc:Choice xmlns:p14="http://schemas.microsoft.com/office/powerpoint/2010/main" Requires="p14">
+  <mc:AlternateContent xmlns:mc="http://schemas.openxmlformats.org/markup-compatibility/2006" xmlns:p14="http://schemas.microsoft.com/office/powerpoint/2010/main">
+    <mc:Choice Requires="p14">
       <p:transition spd="med" p14:dur="700">
         <p:fade/>
       </p:transition>
     </mc:Choice>
-    <mc:Fallback>
+    <mc:Fallback xmlns="">
       <p:transition spd="med">
         <p:fade/>
       </p:transition>
@@ -1172,7 +1172,7 @@
           <a:p>
             <a:fld id="{60A6C780-305B-4047-8E71-137415D1F110}" type="datetimeFigureOut">
               <a:rPr lang="zh-TW" altLang="en-US" smtClean="0"/>
-              <a:t>2023/11/18</a:t>
+              <a:t>2023/12/5</a:t>
             </a:fld>
             <a:endParaRPr lang="zh-TW" altLang="en-US"/>
           </a:p>
@@ -1230,13 +1230,13 @@
   <p:clrMapOvr>
     <a:masterClrMapping/>
   </p:clrMapOvr>
-  <mc:AlternateContent xmlns:mc="http://schemas.openxmlformats.org/markup-compatibility/2006">
-    <mc:Choice xmlns:p14="http://schemas.microsoft.com/office/powerpoint/2010/main" Requires="p14">
+  <mc:AlternateContent xmlns:mc="http://schemas.openxmlformats.org/markup-compatibility/2006" xmlns:p14="http://schemas.microsoft.com/office/powerpoint/2010/main">
+    <mc:Choice Requires="p14">
       <p:transition spd="med" p14:dur="700">
         <p:fade/>
       </p:transition>
     </mc:Choice>
-    <mc:Fallback>
+    <mc:Fallback xmlns="">
       <p:transition spd="med">
         <p:fade/>
       </p:transition>
@@ -1422,7 +1422,7 @@
           <a:p>
             <a:fld id="{60A6C780-305B-4047-8E71-137415D1F110}" type="datetimeFigureOut">
               <a:rPr lang="zh-TW" altLang="en-US" smtClean="0"/>
-              <a:t>2023/11/18</a:t>
+              <a:t>2023/12/5</a:t>
             </a:fld>
             <a:endParaRPr lang="zh-TW" altLang="en-US"/>
           </a:p>
@@ -1480,13 +1480,13 @@
   <p:clrMapOvr>
     <a:masterClrMapping/>
   </p:clrMapOvr>
-  <mc:AlternateContent xmlns:mc="http://schemas.openxmlformats.org/markup-compatibility/2006">
-    <mc:Choice xmlns:p14="http://schemas.microsoft.com/office/powerpoint/2010/main" Requires="p14">
+  <mc:AlternateContent xmlns:mc="http://schemas.openxmlformats.org/markup-compatibility/2006" xmlns:p14="http://schemas.microsoft.com/office/powerpoint/2010/main">
+    <mc:Choice Requires="p14">
       <p:transition spd="med" p14:dur="700">
         <p:fade/>
       </p:transition>
     </mc:Choice>
-    <mc:Fallback>
+    <mc:Fallback xmlns="">
       <p:transition spd="med">
         <p:fade/>
       </p:transition>
@@ -1687,7 +1687,7 @@
           <a:p>
             <a:fld id="{60A6C780-305B-4047-8E71-137415D1F110}" type="datetimeFigureOut">
               <a:rPr lang="zh-TW" altLang="en-US" smtClean="0"/>
-              <a:t>2023/11/18</a:t>
+              <a:t>2023/12/5</a:t>
             </a:fld>
             <a:endParaRPr lang="zh-TW" altLang="en-US"/>
           </a:p>
@@ -1745,13 +1745,13 @@
   <p:clrMapOvr>
     <a:masterClrMapping/>
   </p:clrMapOvr>
-  <mc:AlternateContent xmlns:mc="http://schemas.openxmlformats.org/markup-compatibility/2006">
-    <mc:Choice xmlns:p14="http://schemas.microsoft.com/office/powerpoint/2010/main" Requires="p14">
+  <mc:AlternateContent xmlns:mc="http://schemas.openxmlformats.org/markup-compatibility/2006" xmlns:p14="http://schemas.microsoft.com/office/powerpoint/2010/main">
+    <mc:Choice Requires="p14">
       <p:transition spd="med" p14:dur="700">
         <p:fade/>
       </p:transition>
     </mc:Choice>
-    <mc:Fallback>
+    <mc:Fallback xmlns="">
       <p:transition spd="med">
         <p:fade/>
       </p:transition>
@@ -1938,7 +1938,7 @@
           <a:p>
             <a:fld id="{60A6C780-305B-4047-8E71-137415D1F110}" type="datetimeFigureOut">
               <a:rPr lang="zh-TW" altLang="en-US" smtClean="0"/>
-              <a:t>2023/11/18</a:t>
+              <a:t>2023/12/5</a:t>
             </a:fld>
             <a:endParaRPr lang="zh-TW" altLang="en-US"/>
           </a:p>
@@ -1996,13 +1996,13 @@
   <p:clrMapOvr>
     <a:masterClrMapping/>
   </p:clrMapOvr>
-  <mc:AlternateContent xmlns:mc="http://schemas.openxmlformats.org/markup-compatibility/2006">
-    <mc:Choice xmlns:p14="http://schemas.microsoft.com/office/powerpoint/2010/main" Requires="p14">
+  <mc:AlternateContent xmlns:mc="http://schemas.openxmlformats.org/markup-compatibility/2006" xmlns:p14="http://schemas.microsoft.com/office/powerpoint/2010/main">
+    <mc:Choice Requires="p14">
       <p:transition spd="med" p14:dur="700">
         <p:fade/>
       </p:transition>
     </mc:Choice>
-    <mc:Fallback>
+    <mc:Fallback xmlns="">
       <p:transition spd="med">
         <p:fade/>
       </p:transition>
@@ -2324,7 +2324,7 @@
           <a:p>
             <a:fld id="{60A6C780-305B-4047-8E71-137415D1F110}" type="datetimeFigureOut">
               <a:rPr lang="zh-TW" altLang="en-US" smtClean="0"/>
-              <a:t>2023/11/18</a:t>
+              <a:t>2023/12/5</a:t>
             </a:fld>
             <a:endParaRPr lang="zh-TW" altLang="en-US"/>
           </a:p>
@@ -2382,13 +2382,13 @@
   <p:clrMapOvr>
     <a:masterClrMapping/>
   </p:clrMapOvr>
-  <mc:AlternateContent xmlns:mc="http://schemas.openxmlformats.org/markup-compatibility/2006">
-    <mc:Choice xmlns:p14="http://schemas.microsoft.com/office/powerpoint/2010/main" Requires="p14">
+  <mc:AlternateContent xmlns:mc="http://schemas.openxmlformats.org/markup-compatibility/2006" xmlns:p14="http://schemas.microsoft.com/office/powerpoint/2010/main">
+    <mc:Choice Requires="p14">
       <p:transition spd="med" p14:dur="700">
         <p:fade/>
       </p:transition>
     </mc:Choice>
-    <mc:Fallback>
+    <mc:Fallback xmlns="">
       <p:transition spd="med">
         <p:fade/>
       </p:transition>
@@ -2454,7 +2454,7 @@
           <a:p>
             <a:fld id="{60A6C780-305B-4047-8E71-137415D1F110}" type="datetimeFigureOut">
               <a:rPr lang="zh-TW" altLang="en-US" smtClean="0"/>
-              <a:t>2023/11/18</a:t>
+              <a:t>2023/12/5</a:t>
             </a:fld>
             <a:endParaRPr lang="zh-TW" altLang="en-US"/>
           </a:p>
@@ -2512,13 +2512,13 @@
   <p:clrMapOvr>
     <a:masterClrMapping/>
   </p:clrMapOvr>
-  <mc:AlternateContent xmlns:mc="http://schemas.openxmlformats.org/markup-compatibility/2006">
-    <mc:Choice xmlns:p14="http://schemas.microsoft.com/office/powerpoint/2010/main" Requires="p14">
+  <mc:AlternateContent xmlns:mc="http://schemas.openxmlformats.org/markup-compatibility/2006" xmlns:p14="http://schemas.microsoft.com/office/powerpoint/2010/main">
+    <mc:Choice Requires="p14">
       <p:transition spd="med" p14:dur="700">
         <p:fade/>
       </p:transition>
     </mc:Choice>
-    <mc:Fallback>
+    <mc:Fallback xmlns="">
       <p:transition spd="med">
         <p:fade/>
       </p:transition>
@@ -2561,7 +2561,7 @@
           <a:p>
             <a:fld id="{60A6C780-305B-4047-8E71-137415D1F110}" type="datetimeFigureOut">
               <a:rPr lang="zh-TW" altLang="en-US" smtClean="0"/>
-              <a:t>2023/11/18</a:t>
+              <a:t>2023/12/5</a:t>
             </a:fld>
             <a:endParaRPr lang="zh-TW" altLang="en-US"/>
           </a:p>
@@ -2619,13 +2619,13 @@
   <p:clrMapOvr>
     <a:masterClrMapping/>
   </p:clrMapOvr>
-  <mc:AlternateContent xmlns:mc="http://schemas.openxmlformats.org/markup-compatibility/2006">
-    <mc:Choice xmlns:p14="http://schemas.microsoft.com/office/powerpoint/2010/main" Requires="p14">
+  <mc:AlternateContent xmlns:mc="http://schemas.openxmlformats.org/markup-compatibility/2006" xmlns:p14="http://schemas.microsoft.com/office/powerpoint/2010/main">
+    <mc:Choice Requires="p14">
       <p:transition spd="med" p14:dur="700">
         <p:fade/>
       </p:transition>
     </mc:Choice>
-    <mc:Fallback>
+    <mc:Fallback xmlns="">
       <p:transition spd="med">
         <p:fade/>
       </p:transition>
@@ -2850,7 +2850,7 @@
           <a:p>
             <a:fld id="{60A6C780-305B-4047-8E71-137415D1F110}" type="datetimeFigureOut">
               <a:rPr lang="zh-TW" altLang="en-US" smtClean="0"/>
-              <a:t>2023/11/18</a:t>
+              <a:t>2023/12/5</a:t>
             </a:fld>
             <a:endParaRPr lang="zh-TW" altLang="en-US"/>
           </a:p>
@@ -2908,13 +2908,13 @@
   <p:clrMapOvr>
     <a:masterClrMapping/>
   </p:clrMapOvr>
-  <mc:AlternateContent xmlns:mc="http://schemas.openxmlformats.org/markup-compatibility/2006">
-    <mc:Choice xmlns:p14="http://schemas.microsoft.com/office/powerpoint/2010/main" Requires="p14">
+  <mc:AlternateContent xmlns:mc="http://schemas.openxmlformats.org/markup-compatibility/2006" xmlns:p14="http://schemas.microsoft.com/office/powerpoint/2010/main">
+    <mc:Choice Requires="p14">
       <p:transition spd="med" p14:dur="700">
         <p:fade/>
       </p:transition>
     </mc:Choice>
-    <mc:Fallback>
+    <mc:Fallback xmlns="">
       <p:transition spd="med">
         <p:fade/>
       </p:transition>
@@ -3115,7 +3115,7 @@
           <a:p>
             <a:fld id="{60A6C780-305B-4047-8E71-137415D1F110}" type="datetimeFigureOut">
               <a:rPr lang="zh-TW" altLang="en-US" smtClean="0"/>
-              <a:t>2023/11/18</a:t>
+              <a:t>2023/12/5</a:t>
             </a:fld>
             <a:endParaRPr lang="zh-TW" altLang="en-US"/>
           </a:p>
@@ -3173,13 +3173,13 @@
   <p:clrMapOvr>
     <a:masterClrMapping/>
   </p:clrMapOvr>
-  <mc:AlternateContent xmlns:mc="http://schemas.openxmlformats.org/markup-compatibility/2006">
-    <mc:Choice xmlns:p14="http://schemas.microsoft.com/office/powerpoint/2010/main" Requires="p14">
+  <mc:AlternateContent xmlns:mc="http://schemas.openxmlformats.org/markup-compatibility/2006" xmlns:p14="http://schemas.microsoft.com/office/powerpoint/2010/main">
+    <mc:Choice Requires="p14">
       <p:transition spd="med" p14:dur="700">
         <p:fade/>
       </p:transition>
     </mc:Choice>
-    <mc:Fallback>
+    <mc:Fallback xmlns="">
       <p:transition spd="med">
         <p:fade/>
       </p:transition>
@@ -3343,7 +3343,7 @@
           <a:p>
             <a:fld id="{60A6C780-305B-4047-8E71-137415D1F110}" type="datetimeFigureOut">
               <a:rPr lang="zh-TW" altLang="en-US" smtClean="0"/>
-              <a:t>2023/11/18</a:t>
+              <a:t>2023/12/5</a:t>
             </a:fld>
             <a:endParaRPr lang="zh-TW" altLang="en-US"/>
           </a:p>
@@ -3448,13 +3448,13 @@
     <p:sldLayoutId id="2147483658" r:id="rId10"/>
     <p:sldLayoutId id="2147483659" r:id="rId11"/>
   </p:sldLayoutIdLst>
-  <mc:AlternateContent xmlns:mc="http://schemas.openxmlformats.org/markup-compatibility/2006">
-    <mc:Choice xmlns:p14="http://schemas.microsoft.com/office/powerpoint/2010/main" Requires="p14">
+  <mc:AlternateContent xmlns:mc="http://schemas.openxmlformats.org/markup-compatibility/2006" xmlns:p14="http://schemas.microsoft.com/office/powerpoint/2010/main">
+    <mc:Choice Requires="p14">
       <p:transition spd="med" p14:dur="700">
         <p:fade/>
       </p:transition>
     </mc:Choice>
-    <mc:Fallback>
+    <mc:Fallback xmlns="">
       <p:transition spd="med">
         <p:fade/>
       </p:transition>
@@ -3853,13 +3853,13 @@
   <p:clrMapOvr>
     <a:masterClrMapping/>
   </p:clrMapOvr>
-  <mc:AlternateContent xmlns:mc="http://schemas.openxmlformats.org/markup-compatibility/2006">
-    <mc:Choice xmlns:p14="http://schemas.microsoft.com/office/powerpoint/2010/main" Requires="p14">
+  <mc:AlternateContent xmlns:mc="http://schemas.openxmlformats.org/markup-compatibility/2006" xmlns:p14="http://schemas.microsoft.com/office/powerpoint/2010/main">
+    <mc:Choice Requires="p14">
       <p:transition spd="med" p14:dur="700">
         <p:fade/>
       </p:transition>
     </mc:Choice>
-    <mc:Fallback>
+    <mc:Fallback xmlns="">
       <p:transition spd="med">
         <p:fade/>
       </p:transition>
@@ -3926,8 +3926,8 @@
           </a:p>
         </p:txBody>
       </p:sp>
-      <mc:AlternateContent xmlns:mc="http://schemas.openxmlformats.org/markup-compatibility/2006">
-        <mc:Choice xmlns:a14="http://schemas.microsoft.com/office/drawing/2010/main" Requires="a14">
+      <mc:AlternateContent xmlns:mc="http://schemas.openxmlformats.org/markup-compatibility/2006" xmlns:a14="http://schemas.microsoft.com/office/drawing/2010/main">
+        <mc:Choice Requires="a14">
           <p:sp>
             <p:nvSpPr>
               <p:cNvPr id="4" name="文字方塊 3"/>
@@ -4141,7 +4141,7 @@
             </p:txBody>
           </p:sp>
         </mc:Choice>
-        <mc:Fallback>
+        <mc:Fallback xmlns="">
           <p:sp>
             <p:nvSpPr>
               <p:cNvPr id="4" name="文字方塊 3"/>
@@ -5236,17 +5236,7 @@
           </p:nvPicPr>
           <p:blipFill rotWithShape="1">
             <a:blip r:embed="rId3">
-              <a:extLst>
-                <a:ext uri="{BEBA8EAE-BF5A-486C-A8C5-ECC9F3942E4B}">
-                  <a14:imgProps xmlns:a14="http://schemas.microsoft.com/office/drawing/2010/main">
-                    <a14:imgLayer r:embed="rId4">
-                      <a14:imgEffect>
-                        <a14:backgroundRemoval t="10000" b="90000" l="10000" r="90000"/>
-                      </a14:imgEffect>
-                    </a14:imgLayer>
-                  </a14:imgProps>
-                </a:ext>
-              </a:extLst>
+              <a:extLst/>
             </a:blip>
             <a:srcRect l="10936" t="21322" r="16172" b="16694"/>
             <a:stretch/>
@@ -5271,17 +5261,7 @@
           </p:nvPicPr>
           <p:blipFill rotWithShape="1">
             <a:blip r:embed="rId3">
-              <a:extLst>
-                <a:ext uri="{BEBA8EAE-BF5A-486C-A8C5-ECC9F3942E4B}">
-                  <a14:imgProps xmlns:a14="http://schemas.microsoft.com/office/drawing/2010/main">
-                    <a14:imgLayer r:embed="rId4">
-                      <a14:imgEffect>
-                        <a14:backgroundRemoval t="10000" b="90000" l="10000" r="90000"/>
-                      </a14:imgEffect>
-                    </a14:imgLayer>
-                  </a14:imgProps>
-                </a:ext>
-              </a:extLst>
+              <a:extLst/>
             </a:blip>
             <a:srcRect l="10936" t="21322" r="16172" b="16694"/>
             <a:stretch/>
@@ -5306,17 +5286,7 @@
           </p:nvPicPr>
           <p:blipFill rotWithShape="1">
             <a:blip r:embed="rId3">
-              <a:extLst>
-                <a:ext uri="{BEBA8EAE-BF5A-486C-A8C5-ECC9F3942E4B}">
-                  <a14:imgProps xmlns:a14="http://schemas.microsoft.com/office/drawing/2010/main">
-                    <a14:imgLayer r:embed="rId4">
-                      <a14:imgEffect>
-                        <a14:backgroundRemoval t="10000" b="90000" l="10000" r="90000"/>
-                      </a14:imgEffect>
-                    </a14:imgLayer>
-                  </a14:imgProps>
-                </a:ext>
-              </a:extLst>
+              <a:extLst/>
             </a:blip>
             <a:srcRect l="10936" t="21322" r="16172" b="16694"/>
             <a:stretch/>
@@ -5341,17 +5311,7 @@
           </p:nvPicPr>
           <p:blipFill rotWithShape="1">
             <a:blip r:embed="rId3">
-              <a:extLst>
-                <a:ext uri="{BEBA8EAE-BF5A-486C-A8C5-ECC9F3942E4B}">
-                  <a14:imgProps xmlns:a14="http://schemas.microsoft.com/office/drawing/2010/main">
-                    <a14:imgLayer r:embed="rId4">
-                      <a14:imgEffect>
-                        <a14:backgroundRemoval t="10000" b="90000" l="10000" r="90000"/>
-                      </a14:imgEffect>
-                    </a14:imgLayer>
-                  </a14:imgProps>
-                </a:ext>
-              </a:extLst>
+              <a:extLst/>
             </a:blip>
             <a:srcRect l="10936" t="21322" r="16172" b="16694"/>
             <a:stretch/>
@@ -5704,17 +5664,7 @@
           </p:nvPicPr>
           <p:blipFill rotWithShape="1">
             <a:blip r:embed="rId3">
-              <a:extLst>
-                <a:ext uri="{BEBA8EAE-BF5A-486C-A8C5-ECC9F3942E4B}">
-                  <a14:imgProps xmlns:a14="http://schemas.microsoft.com/office/drawing/2010/main">
-                    <a14:imgLayer r:embed="rId4">
-                      <a14:imgEffect>
-                        <a14:backgroundRemoval t="10000" b="90000" l="10000" r="90000"/>
-                      </a14:imgEffect>
-                    </a14:imgLayer>
-                  </a14:imgProps>
-                </a:ext>
-              </a:extLst>
+              <a:extLst/>
             </a:blip>
             <a:srcRect l="10936" t="21322" r="16172" b="16694"/>
             <a:stretch/>
@@ -5739,17 +5689,7 @@
           </p:nvPicPr>
           <p:blipFill rotWithShape="1">
             <a:blip r:embed="rId3">
-              <a:extLst>
-                <a:ext uri="{BEBA8EAE-BF5A-486C-A8C5-ECC9F3942E4B}">
-                  <a14:imgProps xmlns:a14="http://schemas.microsoft.com/office/drawing/2010/main">
-                    <a14:imgLayer r:embed="rId4">
-                      <a14:imgEffect>
-                        <a14:backgroundRemoval t="10000" b="90000" l="10000" r="90000"/>
-                      </a14:imgEffect>
-                    </a14:imgLayer>
-                  </a14:imgProps>
-                </a:ext>
-              </a:extLst>
+              <a:extLst/>
             </a:blip>
             <a:srcRect l="10936" t="21322" r="16172" b="16694"/>
             <a:stretch/>
@@ -5774,17 +5714,7 @@
           </p:nvPicPr>
           <p:blipFill rotWithShape="1">
             <a:blip r:embed="rId3">
-              <a:extLst>
-                <a:ext uri="{BEBA8EAE-BF5A-486C-A8C5-ECC9F3942E4B}">
-                  <a14:imgProps xmlns:a14="http://schemas.microsoft.com/office/drawing/2010/main">
-                    <a14:imgLayer r:embed="rId4">
-                      <a14:imgEffect>
-                        <a14:backgroundRemoval t="10000" b="90000" l="10000" r="90000"/>
-                      </a14:imgEffect>
-                    </a14:imgLayer>
-                  </a14:imgProps>
-                </a:ext>
-              </a:extLst>
+              <a:extLst/>
             </a:blip>
             <a:srcRect l="10936" t="21322" r="16172" b="16694"/>
             <a:stretch/>
@@ -5809,17 +5739,7 @@
           </p:nvPicPr>
           <p:blipFill rotWithShape="1">
             <a:blip r:embed="rId3">
-              <a:extLst>
-                <a:ext uri="{BEBA8EAE-BF5A-486C-A8C5-ECC9F3942E4B}">
-                  <a14:imgProps xmlns:a14="http://schemas.microsoft.com/office/drawing/2010/main">
-                    <a14:imgLayer r:embed="rId4">
-                      <a14:imgEffect>
-                        <a14:backgroundRemoval t="10000" b="90000" l="10000" r="90000"/>
-                      </a14:imgEffect>
-                    </a14:imgLayer>
-                  </a14:imgProps>
-                </a:ext>
-              </a:extLst>
+              <a:extLst/>
             </a:blip>
             <a:srcRect l="10936" t="21322" r="16172" b="16694"/>
             <a:stretch/>
@@ -6253,13 +6173,13 @@
   <p:clrMapOvr>
     <a:masterClrMapping/>
   </p:clrMapOvr>
-  <mc:AlternateContent xmlns:mc="http://schemas.openxmlformats.org/markup-compatibility/2006">
-    <mc:Choice xmlns:p14="http://schemas.microsoft.com/office/powerpoint/2010/main" Requires="p14">
+  <mc:AlternateContent xmlns:mc="http://schemas.openxmlformats.org/markup-compatibility/2006" xmlns:p14="http://schemas.microsoft.com/office/powerpoint/2010/main">
+    <mc:Choice Requires="p14">
       <p:transition spd="med" p14:dur="700">
         <p:fade/>
       </p:transition>
     </mc:Choice>
-    <mc:Fallback>
+    <mc:Fallback xmlns="">
       <p:transition spd="med">
         <p:fade/>
       </p:transition>
@@ -6954,17 +6874,7 @@
                 <a:latin typeface="微軟正黑體" panose="020B0604030504040204" pitchFamily="34" charset="-120"/>
                 <a:ea typeface="微軟正黑體" panose="020B0604030504040204" pitchFamily="34" charset="-120"/>
               </a:rPr>
-              <a:t>更新節點</a:t>
-            </a:r>
-            <a:r>
-              <a:rPr lang="zh-TW" altLang="en-US" sz="2800" dirty="0" smtClean="0">
-                <a:solidFill>
-                  <a:srgbClr val="FF0000"/>
-                </a:solidFill>
-                <a:latin typeface="微軟正黑體" panose="020B0604030504040204" pitchFamily="34" charset="-120"/>
-                <a:ea typeface="微軟正黑體" panose="020B0604030504040204" pitchFamily="34" charset="-120"/>
-              </a:rPr>
-              <a:t>變數</a:t>
+              <a:t>更新節點變數</a:t>
             </a:r>
             <a:r>
               <a:rPr lang="zh-TW" altLang="en-US" sz="2800" dirty="0" smtClean="0">
@@ -8173,17 +8083,7 @@
           </p:nvPicPr>
           <p:blipFill rotWithShape="1">
             <a:blip r:embed="rId3">
-              <a:extLst>
-                <a:ext uri="{BEBA8EAE-BF5A-486C-A8C5-ECC9F3942E4B}">
-                  <a14:imgProps xmlns:a14="http://schemas.microsoft.com/office/drawing/2010/main">
-                    <a14:imgLayer r:embed="rId4">
-                      <a14:imgEffect>
-                        <a14:backgroundRemoval t="10000" b="90000" l="10000" r="90000"/>
-                      </a14:imgEffect>
-                    </a14:imgLayer>
-                  </a14:imgProps>
-                </a:ext>
-              </a:extLst>
+              <a:extLst/>
             </a:blip>
             <a:srcRect l="10936" t="21322" r="16172" b="16694"/>
             <a:stretch/>
@@ -8374,17 +8274,7 @@
                 <a:latin typeface="微軟正黑體" panose="020B0604030504040204" pitchFamily="34" charset="-120"/>
                 <a:ea typeface="微軟正黑體" panose="020B0604030504040204" pitchFamily="34" charset="-120"/>
               </a:rPr>
-              <a:t>模擬</a:t>
-            </a:r>
-            <a:r>
-              <a:rPr lang="zh-TW" altLang="en-US" sz="1600" dirty="0" smtClean="0">
-                <a:solidFill>
-                  <a:schemeClr val="bg1"/>
-                </a:solidFill>
-                <a:latin typeface="微軟正黑體" panose="020B0604030504040204" pitchFamily="34" charset="-120"/>
-                <a:ea typeface="微軟正黑體" panose="020B0604030504040204" pitchFamily="34" charset="-120"/>
-              </a:rPr>
-              <a:t>次數</a:t>
+              <a:t>模擬次數</a:t>
             </a:r>
             <a:r>
               <a:rPr lang="zh-TW" altLang="en-US" sz="1600" dirty="0">
@@ -8423,17 +8313,7 @@
                 <a:latin typeface="微軟正黑體" panose="020B0604030504040204" pitchFamily="34" charset="-120"/>
                 <a:ea typeface="微軟正黑體" panose="020B0604030504040204" pitchFamily="34" charset="-120"/>
               </a:rPr>
-              <a:t>、失敗次數、新</a:t>
-            </a:r>
-            <a:r>
-              <a:rPr lang="zh-TW" altLang="en-US" sz="1600" dirty="0" smtClean="0">
-                <a:solidFill>
-                  <a:schemeClr val="bg1"/>
-                </a:solidFill>
-                <a:latin typeface="微軟正黑體" panose="020B0604030504040204" pitchFamily="34" charset="-120"/>
-                <a:ea typeface="微軟正黑體" panose="020B0604030504040204" pitchFamily="34" charset="-120"/>
-              </a:rPr>
-              <a:t>步</a:t>
+              <a:t>、失敗次數、新步</a:t>
             </a:r>
             <a:endParaRPr lang="zh-TW" altLang="en-US" sz="1600" dirty="0">
               <a:solidFill>
@@ -8455,13 +8335,13 @@
   <p:clrMapOvr>
     <a:masterClrMapping/>
   </p:clrMapOvr>
-  <mc:AlternateContent xmlns:mc="http://schemas.openxmlformats.org/markup-compatibility/2006">
-    <mc:Choice xmlns:p14="http://schemas.microsoft.com/office/powerpoint/2010/main" Requires="p14">
+  <mc:AlternateContent xmlns:mc="http://schemas.openxmlformats.org/markup-compatibility/2006" xmlns:p14="http://schemas.microsoft.com/office/powerpoint/2010/main">
+    <mc:Choice Requires="p14">
       <p:transition spd="med" p14:dur="700">
         <p:fade/>
       </p:transition>
     </mc:Choice>
-    <mc:Fallback>
+    <mc:Fallback xmlns="">
       <p:transition spd="med">
         <p:fade/>
       </p:transition>
@@ -10090,17 +9970,7 @@
         </p:nvPicPr>
         <p:blipFill rotWithShape="1">
           <a:blip r:embed="rId2">
-            <a:extLst>
-              <a:ext uri="{BEBA8EAE-BF5A-486C-A8C5-ECC9F3942E4B}">
-                <a14:imgProps xmlns:a14="http://schemas.microsoft.com/office/drawing/2010/main">
-                  <a14:imgLayer r:embed="rId3">
-                    <a14:imgEffect>
-                      <a14:backgroundRemoval t="10000" b="90000" l="10000" r="90000"/>
-                    </a14:imgEffect>
-                  </a14:imgLayer>
-                </a14:imgProps>
-              </a:ext>
-            </a:extLst>
+            <a:extLst/>
           </a:blip>
           <a:srcRect l="10936" t="21322" r="16172" b="16694"/>
           <a:stretch/>
@@ -10172,17 +10042,7 @@
           </p:nvPicPr>
           <p:blipFill rotWithShape="1">
             <a:blip r:embed="rId2">
-              <a:extLst>
-                <a:ext uri="{BEBA8EAE-BF5A-486C-A8C5-ECC9F3942E4B}">
-                  <a14:imgProps xmlns:a14="http://schemas.microsoft.com/office/drawing/2010/main">
-                    <a14:imgLayer r:embed="rId3">
-                      <a14:imgEffect>
-                        <a14:backgroundRemoval t="10000" b="90000" l="10000" r="90000"/>
-                      </a14:imgEffect>
-                    </a14:imgLayer>
-                  </a14:imgProps>
-                </a:ext>
-              </a:extLst>
+              <a:extLst/>
             </a:blip>
             <a:srcRect l="10936" t="21322" r="16172" b="16694"/>
             <a:stretch/>
@@ -10207,17 +10067,7 @@
           </p:nvPicPr>
           <p:blipFill rotWithShape="1">
             <a:blip r:embed="rId2">
-              <a:extLst>
-                <a:ext uri="{BEBA8EAE-BF5A-486C-A8C5-ECC9F3942E4B}">
-                  <a14:imgProps xmlns:a14="http://schemas.microsoft.com/office/drawing/2010/main">
-                    <a14:imgLayer r:embed="rId3">
-                      <a14:imgEffect>
-                        <a14:backgroundRemoval t="10000" b="90000" l="10000" r="90000"/>
-                      </a14:imgEffect>
-                    </a14:imgLayer>
-                  </a14:imgProps>
-                </a:ext>
-              </a:extLst>
+              <a:extLst/>
             </a:blip>
             <a:srcRect l="10936" t="21322" r="16172" b="16694"/>
             <a:stretch/>
@@ -10242,17 +10092,7 @@
           </p:nvPicPr>
           <p:blipFill rotWithShape="1">
             <a:blip r:embed="rId2">
-              <a:extLst>
-                <a:ext uri="{BEBA8EAE-BF5A-486C-A8C5-ECC9F3942E4B}">
-                  <a14:imgProps xmlns:a14="http://schemas.microsoft.com/office/drawing/2010/main">
-                    <a14:imgLayer r:embed="rId3">
-                      <a14:imgEffect>
-                        <a14:backgroundRemoval t="10000" b="90000" l="10000" r="90000"/>
-                      </a14:imgEffect>
-                    </a14:imgLayer>
-                  </a14:imgProps>
-                </a:ext>
-              </a:extLst>
+              <a:extLst/>
             </a:blip>
             <a:srcRect l="10936" t="21322" r="16172" b="16694"/>
             <a:stretch/>
@@ -10277,17 +10117,7 @@
           </p:nvPicPr>
           <p:blipFill rotWithShape="1">
             <a:blip r:embed="rId2">
-              <a:extLst>
-                <a:ext uri="{BEBA8EAE-BF5A-486C-A8C5-ECC9F3942E4B}">
-                  <a14:imgProps xmlns:a14="http://schemas.microsoft.com/office/drawing/2010/main">
-                    <a14:imgLayer r:embed="rId3">
-                      <a14:imgEffect>
-                        <a14:backgroundRemoval t="10000" b="90000" l="10000" r="90000"/>
-                      </a14:imgEffect>
-                    </a14:imgLayer>
-                  </a14:imgProps>
-                </a:ext>
-              </a:extLst>
+              <a:extLst/>
             </a:blip>
             <a:srcRect l="10936" t="21322" r="16172" b="16694"/>
             <a:stretch/>
@@ -10312,17 +10142,7 @@
           </p:nvPicPr>
           <p:blipFill rotWithShape="1">
             <a:blip r:embed="rId2">
-              <a:extLst>
-                <a:ext uri="{BEBA8EAE-BF5A-486C-A8C5-ECC9F3942E4B}">
-                  <a14:imgProps xmlns:a14="http://schemas.microsoft.com/office/drawing/2010/main">
-                    <a14:imgLayer r:embed="rId3">
-                      <a14:imgEffect>
-                        <a14:backgroundRemoval t="10000" b="90000" l="10000" r="90000"/>
-                      </a14:imgEffect>
-                    </a14:imgLayer>
-                  </a14:imgProps>
-                </a:ext>
-              </a:extLst>
+              <a:extLst/>
             </a:blip>
             <a:srcRect l="10936" t="21322" r="16172" b="16694"/>
             <a:stretch/>
@@ -10347,17 +10167,7 @@
           </p:nvPicPr>
           <p:blipFill rotWithShape="1">
             <a:blip r:embed="rId2">
-              <a:extLst>
-                <a:ext uri="{BEBA8EAE-BF5A-486C-A8C5-ECC9F3942E4B}">
-                  <a14:imgProps xmlns:a14="http://schemas.microsoft.com/office/drawing/2010/main">
-                    <a14:imgLayer r:embed="rId3">
-                      <a14:imgEffect>
-                        <a14:backgroundRemoval t="10000" b="90000" l="10000" r="90000"/>
-                      </a14:imgEffect>
-                    </a14:imgLayer>
-                  </a14:imgProps>
-                </a:ext>
-              </a:extLst>
+              <a:extLst/>
             </a:blip>
             <a:srcRect l="10936" t="21322" r="16172" b="16694"/>
             <a:stretch/>
@@ -10382,17 +10192,7 @@
           </p:nvPicPr>
           <p:blipFill rotWithShape="1">
             <a:blip r:embed="rId2">
-              <a:extLst>
-                <a:ext uri="{BEBA8EAE-BF5A-486C-A8C5-ECC9F3942E4B}">
-                  <a14:imgProps xmlns:a14="http://schemas.microsoft.com/office/drawing/2010/main">
-                    <a14:imgLayer r:embed="rId3">
-                      <a14:imgEffect>
-                        <a14:backgroundRemoval t="10000" b="90000" l="10000" r="90000"/>
-                      </a14:imgEffect>
-                    </a14:imgLayer>
-                  </a14:imgProps>
-                </a:ext>
-              </a:extLst>
+              <a:extLst/>
             </a:blip>
             <a:srcRect l="10936" t="21322" r="16172" b="16694"/>
             <a:stretch/>
@@ -10417,17 +10217,7 @@
           </p:nvPicPr>
           <p:blipFill rotWithShape="1">
             <a:blip r:embed="rId2">
-              <a:extLst>
-                <a:ext uri="{BEBA8EAE-BF5A-486C-A8C5-ECC9F3942E4B}">
-                  <a14:imgProps xmlns:a14="http://schemas.microsoft.com/office/drawing/2010/main">
-                    <a14:imgLayer r:embed="rId3">
-                      <a14:imgEffect>
-                        <a14:backgroundRemoval t="10000" b="90000" l="10000" r="90000"/>
-                      </a14:imgEffect>
-                    </a14:imgLayer>
-                  </a14:imgProps>
-                </a:ext>
-              </a:extLst>
+              <a:extLst/>
             </a:blip>
             <a:srcRect l="10936" t="21322" r="16172" b="16694"/>
             <a:stretch/>
@@ -10452,17 +10242,7 @@
           </p:nvPicPr>
           <p:blipFill rotWithShape="1">
             <a:blip r:embed="rId2">
-              <a:extLst>
-                <a:ext uri="{BEBA8EAE-BF5A-486C-A8C5-ECC9F3942E4B}">
-                  <a14:imgProps xmlns:a14="http://schemas.microsoft.com/office/drawing/2010/main">
-                    <a14:imgLayer r:embed="rId3">
-                      <a14:imgEffect>
-                        <a14:backgroundRemoval t="10000" b="90000" l="10000" r="90000"/>
-                      </a14:imgEffect>
-                    </a14:imgLayer>
-                  </a14:imgProps>
-                </a:ext>
-              </a:extLst>
+              <a:extLst/>
             </a:blip>
             <a:srcRect l="10936" t="21322" r="16172" b="16694"/>
             <a:stretch/>
@@ -10488,13 +10268,13 @@
   <p:clrMapOvr>
     <a:masterClrMapping/>
   </p:clrMapOvr>
-  <mc:AlternateContent xmlns:mc="http://schemas.openxmlformats.org/markup-compatibility/2006">
-    <mc:Choice xmlns:p14="http://schemas.microsoft.com/office/powerpoint/2010/main" Requires="p14">
+  <mc:AlternateContent xmlns:mc="http://schemas.openxmlformats.org/markup-compatibility/2006" xmlns:p14="http://schemas.microsoft.com/office/powerpoint/2010/main">
+    <mc:Choice Requires="p14">
       <p:transition spd="med" p14:dur="700">
         <p:fade/>
       </p:transition>
     </mc:Choice>
-    <mc:Fallback>
+    <mc:Fallback xmlns="">
       <p:transition spd="med">
         <p:fade/>
       </p:transition>
@@ -11740,17 +11520,7 @@
                 <a:latin typeface="微軟正黑體" panose="020B0604030504040204" pitchFamily="34" charset="-120"/>
                 <a:ea typeface="微軟正黑體" panose="020B0604030504040204" pitchFamily="34" charset="-120"/>
               </a:rPr>
-              <a:t>更新</a:t>
-            </a:r>
-            <a:r>
-              <a:rPr lang="zh-TW" altLang="en-US" sz="2800" dirty="0" smtClean="0">
-                <a:solidFill>
-                  <a:srgbClr val="FF0000"/>
-                </a:solidFill>
-                <a:latin typeface="微軟正黑體" panose="020B0604030504040204" pitchFamily="34" charset="-120"/>
-                <a:ea typeface="微軟正黑體" panose="020B0604030504040204" pitchFamily="34" charset="-120"/>
-              </a:rPr>
-              <a:t>變數</a:t>
+              <a:t>更新變數</a:t>
             </a:r>
             <a:endParaRPr lang="zh-TW" altLang="en-US" sz="2800" dirty="0">
               <a:solidFill>
@@ -13109,17 +12879,7 @@
             </p:nvPicPr>
             <p:blipFill rotWithShape="1">
               <a:blip r:embed="rId2">
-                <a:extLst>
-                  <a:ext uri="{BEBA8EAE-BF5A-486C-A8C5-ECC9F3942E4B}">
-                    <a14:imgProps xmlns:a14="http://schemas.microsoft.com/office/drawing/2010/main">
-                      <a14:imgLayer r:embed="rId3">
-                        <a14:imgEffect>
-                          <a14:backgroundRemoval t="10000" b="90000" l="10000" r="90000"/>
-                        </a14:imgEffect>
-                      </a14:imgLayer>
-                    </a14:imgProps>
-                  </a:ext>
-                </a:extLst>
+                <a:extLst/>
               </a:blip>
               <a:srcRect l="10936" t="21322" r="16172" b="16694"/>
               <a:stretch/>
@@ -13144,17 +12904,7 @@
             </p:nvPicPr>
             <p:blipFill rotWithShape="1">
               <a:blip r:embed="rId2">
-                <a:extLst>
-                  <a:ext uri="{BEBA8EAE-BF5A-486C-A8C5-ECC9F3942E4B}">
-                    <a14:imgProps xmlns:a14="http://schemas.microsoft.com/office/drawing/2010/main">
-                      <a14:imgLayer r:embed="rId3">
-                        <a14:imgEffect>
-                          <a14:backgroundRemoval t="10000" b="90000" l="10000" r="90000"/>
-                        </a14:imgEffect>
-                      </a14:imgLayer>
-                    </a14:imgProps>
-                  </a:ext>
-                </a:extLst>
+                <a:extLst/>
               </a:blip>
               <a:srcRect l="10936" t="21322" r="16172" b="16694"/>
               <a:stretch/>
@@ -13179,17 +12929,7 @@
             </p:nvPicPr>
             <p:blipFill rotWithShape="1">
               <a:blip r:embed="rId2">
-                <a:extLst>
-                  <a:ext uri="{BEBA8EAE-BF5A-486C-A8C5-ECC9F3942E4B}">
-                    <a14:imgProps xmlns:a14="http://schemas.microsoft.com/office/drawing/2010/main">
-                      <a14:imgLayer r:embed="rId3">
-                        <a14:imgEffect>
-                          <a14:backgroundRemoval t="10000" b="90000" l="10000" r="90000"/>
-                        </a14:imgEffect>
-                      </a14:imgLayer>
-                    </a14:imgProps>
-                  </a:ext>
-                </a:extLst>
+                <a:extLst/>
               </a:blip>
               <a:srcRect l="10936" t="21322" r="16172" b="16694"/>
               <a:stretch/>
@@ -13214,17 +12954,7 @@
             </p:nvPicPr>
             <p:blipFill rotWithShape="1">
               <a:blip r:embed="rId2">
-                <a:extLst>
-                  <a:ext uri="{BEBA8EAE-BF5A-486C-A8C5-ECC9F3942E4B}">
-                    <a14:imgProps xmlns:a14="http://schemas.microsoft.com/office/drawing/2010/main">
-                      <a14:imgLayer r:embed="rId3">
-                        <a14:imgEffect>
-                          <a14:backgroundRemoval t="10000" b="90000" l="10000" r="90000"/>
-                        </a14:imgEffect>
-                      </a14:imgLayer>
-                    </a14:imgProps>
-                  </a:ext>
-                </a:extLst>
+                <a:extLst/>
               </a:blip>
               <a:srcRect l="10936" t="21322" r="16172" b="16694"/>
               <a:stretch/>
@@ -13543,17 +13273,7 @@
             </p:nvPicPr>
             <p:blipFill rotWithShape="1">
               <a:blip r:embed="rId2">
-                <a:extLst>
-                  <a:ext uri="{BEBA8EAE-BF5A-486C-A8C5-ECC9F3942E4B}">
-                    <a14:imgProps xmlns:a14="http://schemas.microsoft.com/office/drawing/2010/main">
-                      <a14:imgLayer r:embed="rId3">
-                        <a14:imgEffect>
-                          <a14:backgroundRemoval t="10000" b="90000" l="10000" r="90000"/>
-                        </a14:imgEffect>
-                      </a14:imgLayer>
-                    </a14:imgProps>
-                  </a:ext>
-                </a:extLst>
+                <a:extLst/>
               </a:blip>
               <a:srcRect l="10936" t="21322" r="16172" b="16694"/>
               <a:stretch/>
@@ -13578,17 +13298,7 @@
             </p:nvPicPr>
             <p:blipFill rotWithShape="1">
               <a:blip r:embed="rId2">
-                <a:extLst>
-                  <a:ext uri="{BEBA8EAE-BF5A-486C-A8C5-ECC9F3942E4B}">
-                    <a14:imgProps xmlns:a14="http://schemas.microsoft.com/office/drawing/2010/main">
-                      <a14:imgLayer r:embed="rId3">
-                        <a14:imgEffect>
-                          <a14:backgroundRemoval t="10000" b="90000" l="10000" r="90000"/>
-                        </a14:imgEffect>
-                      </a14:imgLayer>
-                    </a14:imgProps>
-                  </a:ext>
-                </a:extLst>
+                <a:extLst/>
               </a:blip>
               <a:srcRect l="10936" t="21322" r="16172" b="16694"/>
               <a:stretch/>
@@ -13613,17 +13323,7 @@
             </p:nvPicPr>
             <p:blipFill rotWithShape="1">
               <a:blip r:embed="rId2">
-                <a:extLst>
-                  <a:ext uri="{BEBA8EAE-BF5A-486C-A8C5-ECC9F3942E4B}">
-                    <a14:imgProps xmlns:a14="http://schemas.microsoft.com/office/drawing/2010/main">
-                      <a14:imgLayer r:embed="rId3">
-                        <a14:imgEffect>
-                          <a14:backgroundRemoval t="10000" b="90000" l="10000" r="90000"/>
-                        </a14:imgEffect>
-                      </a14:imgLayer>
-                    </a14:imgProps>
-                  </a:ext>
-                </a:extLst>
+                <a:extLst/>
               </a:blip>
               <a:srcRect l="10936" t="21322" r="16172" b="16694"/>
               <a:stretch/>
@@ -13648,17 +13348,7 @@
             </p:nvPicPr>
             <p:blipFill rotWithShape="1">
               <a:blip r:embed="rId2">
-                <a:extLst>
-                  <a:ext uri="{BEBA8EAE-BF5A-486C-A8C5-ECC9F3942E4B}">
-                    <a14:imgProps xmlns:a14="http://schemas.microsoft.com/office/drawing/2010/main">
-                      <a14:imgLayer r:embed="rId3">
-                        <a14:imgEffect>
-                          <a14:backgroundRemoval t="10000" b="90000" l="10000" r="90000"/>
-                        </a14:imgEffect>
-                      </a14:imgLayer>
-                    </a14:imgProps>
-                  </a:ext>
-                </a:extLst>
+                <a:extLst/>
               </a:blip>
               <a:srcRect l="10936" t="21322" r="16172" b="16694"/>
               <a:stretch/>
@@ -13832,17 +13522,7 @@
                 <a:latin typeface="微軟正黑體" panose="020B0604030504040204" pitchFamily="34" charset="-120"/>
                 <a:ea typeface="微軟正黑體" panose="020B0604030504040204" pitchFamily="34" charset="-120"/>
               </a:rPr>
-              <a:t>模擬</a:t>
-            </a:r>
-            <a:r>
-              <a:rPr lang="zh-TW" altLang="en-US" sz="1600" dirty="0" smtClean="0">
-                <a:solidFill>
-                  <a:schemeClr val="bg1"/>
-                </a:solidFill>
-                <a:latin typeface="微軟正黑體" panose="020B0604030504040204" pitchFamily="34" charset="-120"/>
-                <a:ea typeface="微軟正黑體" panose="020B0604030504040204" pitchFamily="34" charset="-120"/>
-              </a:rPr>
-              <a:t>次數</a:t>
+              <a:t>模擬次數</a:t>
             </a:r>
             <a:r>
               <a:rPr lang="zh-TW" altLang="en-US" sz="1600" dirty="0">
@@ -13881,17 +13561,7 @@
                 <a:latin typeface="微軟正黑體" panose="020B0604030504040204" pitchFamily="34" charset="-120"/>
                 <a:ea typeface="微軟正黑體" panose="020B0604030504040204" pitchFamily="34" charset="-120"/>
               </a:rPr>
-              <a:t>、失敗次數、新</a:t>
-            </a:r>
-            <a:r>
-              <a:rPr lang="zh-TW" altLang="en-US" sz="1600" dirty="0" smtClean="0">
-                <a:solidFill>
-                  <a:schemeClr val="bg1"/>
-                </a:solidFill>
-                <a:latin typeface="微軟正黑體" panose="020B0604030504040204" pitchFamily="34" charset="-120"/>
-                <a:ea typeface="微軟正黑體" panose="020B0604030504040204" pitchFamily="34" charset="-120"/>
-              </a:rPr>
-              <a:t>步</a:t>
+              <a:t>、失敗次數、新步</a:t>
             </a:r>
             <a:endParaRPr lang="zh-TW" altLang="en-US" sz="1600" dirty="0">
               <a:solidFill>
@@ -13913,13 +13583,13 @@
   <p:clrMapOvr>
     <a:masterClrMapping/>
   </p:clrMapOvr>
-  <mc:AlternateContent xmlns:mc="http://schemas.openxmlformats.org/markup-compatibility/2006">
-    <mc:Choice xmlns:p14="http://schemas.microsoft.com/office/powerpoint/2010/main" Requires="p14">
+  <mc:AlternateContent xmlns:mc="http://schemas.openxmlformats.org/markup-compatibility/2006" xmlns:p14="http://schemas.microsoft.com/office/powerpoint/2010/main">
+    <mc:Choice Requires="p14">
       <p:transition spd="med" p14:dur="700">
         <p:fade/>
       </p:transition>
     </mc:Choice>
-    <mc:Fallback>
+    <mc:Fallback xmlns="">
       <p:transition spd="med">
         <p:fade/>
       </p:transition>
@@ -14590,13 +14260,6 @@
               </a:rPr>
               <a:t>核心流程</a:t>
             </a:r>
-            <a:endParaRPr lang="zh-TW" altLang="en-US" sz="2800" b="1" dirty="0" smtClean="0">
-              <a:solidFill>
-                <a:srgbClr val="FFFF00"/>
-              </a:solidFill>
-              <a:latin typeface="微軟正黑體" panose="020B0604030504040204" pitchFamily="34" charset="-120"/>
-              <a:ea typeface="微軟正黑體" panose="020B0604030504040204" pitchFamily="34" charset="-120"/>
-            </a:endParaRPr>
           </a:p>
         </p:txBody>
       </p:sp>
@@ -15444,13 +15107,13 @@
   <p:clrMapOvr>
     <a:masterClrMapping/>
   </p:clrMapOvr>
-  <mc:AlternateContent xmlns:mc="http://schemas.openxmlformats.org/markup-compatibility/2006">
-    <mc:Choice xmlns:p14="http://schemas.microsoft.com/office/powerpoint/2010/main" Requires="p14">
+  <mc:AlternateContent xmlns:mc="http://schemas.openxmlformats.org/markup-compatibility/2006" xmlns:p14="http://schemas.microsoft.com/office/powerpoint/2010/main">
+    <mc:Choice Requires="p14">
       <p:transition spd="med" p14:dur="700">
         <p:fade/>
       </p:transition>
     </mc:Choice>
-    <mc:Fallback>
+    <mc:Fallback xmlns="">
       <p:transition spd="med">
         <p:fade/>
       </p:transition>
@@ -16134,13 +15797,13 @@
   <p:clrMapOvr>
     <a:masterClrMapping/>
   </p:clrMapOvr>
-  <mc:AlternateContent xmlns:mc="http://schemas.openxmlformats.org/markup-compatibility/2006">
-    <mc:Choice xmlns:p14="http://schemas.microsoft.com/office/powerpoint/2010/main" Requires="p14">
+  <mc:AlternateContent xmlns:mc="http://schemas.openxmlformats.org/markup-compatibility/2006" xmlns:p14="http://schemas.microsoft.com/office/powerpoint/2010/main">
+    <mc:Choice Requires="p14">
       <p:transition spd="med" p14:dur="700">
         <p:fade/>
       </p:transition>
     </mc:Choice>
-    <mc:Fallback>
+    <mc:Fallback xmlns="">
       <p:transition spd="med">
         <p:fade/>
       </p:transition>
@@ -16356,13 +16019,13 @@
   <p:clrMapOvr>
     <a:masterClrMapping/>
   </p:clrMapOvr>
-  <mc:AlternateContent xmlns:mc="http://schemas.openxmlformats.org/markup-compatibility/2006">
-    <mc:Choice xmlns:p14="http://schemas.microsoft.com/office/powerpoint/2010/main" Requires="p14">
+  <mc:AlternateContent xmlns:mc="http://schemas.openxmlformats.org/markup-compatibility/2006" xmlns:p14="http://schemas.microsoft.com/office/powerpoint/2010/main">
+    <mc:Choice Requires="p14">
       <p:transition spd="med" p14:dur="700">
         <p:fade/>
       </p:transition>
     </mc:Choice>
-    <mc:Fallback>
+    <mc:Fallback xmlns="">
       <p:transition spd="med">
         <p:fade/>
       </p:transition>
@@ -16519,13 +16182,13 @@
   <p:clrMapOvr>
     <a:masterClrMapping/>
   </p:clrMapOvr>
-  <mc:AlternateContent xmlns:mc="http://schemas.openxmlformats.org/markup-compatibility/2006">
-    <mc:Choice xmlns:p14="http://schemas.microsoft.com/office/powerpoint/2010/main" Requires="p14">
+  <mc:AlternateContent xmlns:mc="http://schemas.openxmlformats.org/markup-compatibility/2006" xmlns:p14="http://schemas.microsoft.com/office/powerpoint/2010/main">
+    <mc:Choice Requires="p14">
       <p:transition spd="med" p14:dur="700">
         <p:fade/>
       </p:transition>
     </mc:Choice>
-    <mc:Fallback>
+    <mc:Fallback xmlns="">
       <p:transition spd="med">
         <p:fade/>
       </p:transition>
@@ -16755,13 +16418,13 @@
   <p:clrMapOvr>
     <a:masterClrMapping/>
   </p:clrMapOvr>
-  <mc:AlternateContent xmlns:mc="http://schemas.openxmlformats.org/markup-compatibility/2006">
-    <mc:Choice xmlns:p14="http://schemas.microsoft.com/office/powerpoint/2010/main" Requires="p14">
+  <mc:AlternateContent xmlns:mc="http://schemas.openxmlformats.org/markup-compatibility/2006" xmlns:p14="http://schemas.microsoft.com/office/powerpoint/2010/main">
+    <mc:Choice Requires="p14">
       <p:transition spd="med" p14:dur="700">
         <p:fade/>
       </p:transition>
     </mc:Choice>
-    <mc:Fallback>
+    <mc:Fallback xmlns="">
       <p:transition spd="med">
         <p:fade/>
       </p:transition>
@@ -16968,21 +16631,22 @@
       </p:grpSpPr>
       <p:pic>
         <p:nvPicPr>
-          <p:cNvPr id="6" name="圖片 5"/>
+          <p:cNvPr id="8" name="圖片 7"/>
           <p:cNvPicPr>
             <a:picLocks noChangeAspect="1"/>
           </p:cNvPicPr>
           <p:nvPr/>
         </p:nvPicPr>
-        <p:blipFill rotWithShape="1">
+        <p:blipFill>
           <a:blip r:embed="rId2"/>
-          <a:srcRect t="1258" r="5928"/>
-          <a:stretch/>
+          <a:stretch>
+            <a:fillRect/>
+          </a:stretch>
         </p:blipFill>
         <p:spPr>
           <a:xfrm>
-            <a:off x="1446455" y="2082385"/>
-            <a:ext cx="3776970" cy="3576963"/>
+            <a:off x="905115" y="1951812"/>
+            <a:ext cx="4070178" cy="3621337"/>
           </a:xfrm>
           <a:prstGeom prst="rect">
             <a:avLst/>
@@ -16997,30 +16661,34 @@
         </p:nvSpPr>
         <p:spPr>
           <a:xfrm>
-            <a:off x="508000" y="1372953"/>
+            <a:off x="524855" y="1321185"/>
             <a:ext cx="4771336" cy="4616327"/>
           </a:xfrm>
           <a:prstGeom prst="rect">
             <a:avLst/>
           </a:prstGeom>
+          <a:solidFill>
+            <a:schemeClr val="tx1">
+              <a:lumMod val="95000"/>
+              <a:lumOff val="5000"/>
+            </a:schemeClr>
+          </a:solidFill>
           <a:ln>
             <a:noFill/>
           </a:ln>
         </p:spPr>
         <p:style>
           <a:lnRef idx="2">
-            <a:schemeClr val="dk1">
-              <a:shade val="50000"/>
-            </a:schemeClr>
+            <a:schemeClr val="accent1"/>
           </a:lnRef>
           <a:fillRef idx="1">
-            <a:schemeClr val="dk1"/>
+            <a:schemeClr val="lt1"/>
           </a:fillRef>
           <a:effectRef idx="0">
-            <a:schemeClr val="dk1"/>
+            <a:schemeClr val="accent1"/>
           </a:effectRef>
           <a:fontRef idx="minor">
-            <a:schemeClr val="lt1"/>
+            <a:schemeClr val="dk1"/>
           </a:fontRef>
         </p:style>
         <p:txBody>
@@ -17920,13 +17588,13 @@
   <p:clrMapOvr>
     <a:masterClrMapping/>
   </p:clrMapOvr>
-  <mc:AlternateContent xmlns:mc="http://schemas.openxmlformats.org/markup-compatibility/2006">
-    <mc:Choice xmlns:p14="http://schemas.microsoft.com/office/powerpoint/2010/main" Requires="p14">
+  <mc:AlternateContent xmlns:mc="http://schemas.openxmlformats.org/markup-compatibility/2006" xmlns:p14="http://schemas.microsoft.com/office/powerpoint/2010/main">
+    <mc:Choice Requires="p14">
       <p:transition spd="med" p14:dur="700">
         <p:fade/>
       </p:transition>
     </mc:Choice>
-    <mc:Fallback>
+    <mc:Fallback xmlns="">
       <p:transition spd="med">
         <p:fade/>
       </p:transition>
@@ -17966,7 +17634,7 @@
                                           </p:stCondLst>
                                         </p:cTn>
                                         <p:tgtEl>
-                                          <p:spTgt spid="6"/>
+                                          <p:spTgt spid="8"/>
                                         </p:tgtEl>
                                         <p:attrNameLst>
                                           <p:attrName>style.visibility</p:attrName>
@@ -17980,7 +17648,7 @@
                                       <p:cBhvr>
                                         <p:cTn id="7" dur="500"/>
                                         <p:tgtEl>
-                                          <p:spTgt spid="6"/>
+                                          <p:spTgt spid="8"/>
                                         </p:tgtEl>
                                       </p:cBhvr>
                                     </p:animEffect>
@@ -19575,13 +19243,13 @@
   <p:clrMapOvr>
     <a:masterClrMapping/>
   </p:clrMapOvr>
-  <mc:AlternateContent xmlns:mc="http://schemas.openxmlformats.org/markup-compatibility/2006">
-    <mc:Choice xmlns:p14="http://schemas.microsoft.com/office/powerpoint/2010/main" Requires="p14">
+  <mc:AlternateContent xmlns:mc="http://schemas.openxmlformats.org/markup-compatibility/2006" xmlns:p14="http://schemas.microsoft.com/office/powerpoint/2010/main">
+    <mc:Choice Requires="p14">
       <p:transition spd="med" p14:dur="700">
         <p:fade/>
       </p:transition>
     </mc:Choice>
-    <mc:Fallback>
+    <mc:Fallback xmlns="">
       <p:transition spd="med">
         <p:fade/>
       </p:transition>
@@ -20197,7 +19865,7 @@
       </p:sp>
       <p:pic>
         <p:nvPicPr>
-          <p:cNvPr id="2" name="圖片 1"/>
+          <p:cNvPr id="3" name="圖片 2"/>
           <p:cNvPicPr>
             <a:picLocks noChangeAspect="1"/>
           </p:cNvPicPr>
@@ -20205,13 +19873,13 @@
         </p:nvPicPr>
         <p:blipFill rotWithShape="1">
           <a:blip r:embed="rId4"/>
-          <a:srcRect t="1126"/>
+          <a:srcRect r="3493"/>
           <a:stretch/>
         </p:blipFill>
         <p:spPr>
           <a:xfrm>
-            <a:off x="583571" y="1491335"/>
-            <a:ext cx="4922471" cy="4391305"/>
+            <a:off x="535430" y="1406855"/>
+            <a:ext cx="4970612" cy="4582530"/>
           </a:xfrm>
           <a:prstGeom prst="rect">
             <a:avLst/>
@@ -20228,13 +19896,13 @@
   <p:clrMapOvr>
     <a:masterClrMapping/>
   </p:clrMapOvr>
-  <mc:AlternateContent xmlns:mc="http://schemas.openxmlformats.org/markup-compatibility/2006">
-    <mc:Choice xmlns:p14="http://schemas.microsoft.com/office/powerpoint/2010/main" Requires="p14">
+  <mc:AlternateContent xmlns:mc="http://schemas.openxmlformats.org/markup-compatibility/2006" xmlns:p14="http://schemas.microsoft.com/office/powerpoint/2010/main">
+    <mc:Choice Requires="p14">
       <p:transition spd="med" p14:dur="700">
         <p:fade/>
       </p:transition>
     </mc:Choice>
-    <mc:Fallback>
+    <mc:Fallback xmlns="">
       <p:transition spd="med">
         <p:fade/>
       </p:transition>
@@ -20274,7 +19942,7 @@
                                           </p:stCondLst>
                                         </p:cTn>
                                         <p:tgtEl>
-                                          <p:spTgt spid="2"/>
+                                          <p:spTgt spid="3"/>
                                         </p:tgtEl>
                                         <p:attrNameLst>
                                           <p:attrName>style.visibility</p:attrName>
@@ -20288,7 +19956,7 @@
                                       <p:cBhvr>
                                         <p:cTn id="7" dur="500"/>
                                         <p:tgtEl>
-                                          <p:spTgt spid="2"/>
+                                          <p:spTgt spid="3"/>
                                         </p:tgtEl>
                                       </p:cBhvr>
                                     </p:animEffect>
@@ -20601,13 +20269,13 @@
   <p:clrMapOvr>
     <a:masterClrMapping/>
   </p:clrMapOvr>
-  <mc:AlternateContent xmlns:mc="http://schemas.openxmlformats.org/markup-compatibility/2006">
-    <mc:Choice xmlns:p14="http://schemas.microsoft.com/office/powerpoint/2010/main" Requires="p14">
+  <mc:AlternateContent xmlns:mc="http://schemas.openxmlformats.org/markup-compatibility/2006" xmlns:p14="http://schemas.microsoft.com/office/powerpoint/2010/main">
+    <mc:Choice Requires="p14">
       <p:transition spd="med" p14:dur="700">
         <p:fade/>
       </p:transition>
     </mc:Choice>
-    <mc:Fallback>
+    <mc:Fallback xmlns="">
       <p:transition spd="med">
         <p:fade/>
       </p:transition>
@@ -20661,19 +20329,11 @@
             </a:r>
             <a:r>
               <a:rPr lang="zh-TW" altLang="en-US" dirty="0" smtClean="0"/>
-              <a:t>樹</a:t>
-            </a:r>
-            <a:r>
-              <a:rPr lang="zh-TW" altLang="en-US" dirty="0" smtClean="0"/>
-              <a:t>搜索</a:t>
+              <a:t>樹搜索</a:t>
             </a:r>
             <a:r>
               <a:rPr lang="en-US" altLang="zh-TW" dirty="0" smtClean="0"/>
-              <a:t>(</a:t>
-            </a:r>
-            <a:r>
-              <a:rPr lang="en-US" altLang="zh-TW" dirty="0" smtClean="0"/>
-              <a:t>MCTS)</a:t>
+              <a:t>(MCTS)</a:t>
             </a:r>
             <a:endParaRPr lang="zh-TW" altLang="en-US" dirty="0"/>
           </a:p>
@@ -20742,15 +20402,7 @@
                   <a:srgbClr val="92D050"/>
                 </a:solidFill>
               </a:rPr>
-              <a:t>根據演算法建</a:t>
-            </a:r>
-            <a:r>
-              <a:rPr lang="zh-TW" altLang="en-US" sz="2800" dirty="0" smtClean="0">
-                <a:solidFill>
-                  <a:srgbClr val="92D050"/>
-                </a:solidFill>
-              </a:rPr>
-              <a:t>構棋局樹</a:t>
+              <a:t>根據演算法建構棋局樹</a:t>
             </a:r>
             <a:r>
               <a:rPr lang="zh-TW" altLang="en-US" sz="4000" dirty="0" smtClean="0">
@@ -22731,13 +22383,13 @@
   <p:clrMapOvr>
     <a:masterClrMapping/>
   </p:clrMapOvr>
-  <mc:AlternateContent xmlns:mc="http://schemas.openxmlformats.org/markup-compatibility/2006">
-    <mc:Choice xmlns:p14="http://schemas.microsoft.com/office/powerpoint/2010/main" Requires="p14">
+  <mc:AlternateContent xmlns:mc="http://schemas.openxmlformats.org/markup-compatibility/2006" xmlns:p14="http://schemas.microsoft.com/office/powerpoint/2010/main">
+    <mc:Choice Requires="p14">
       <p:transition spd="med" p14:dur="700">
         <p:fade/>
       </p:transition>
     </mc:Choice>
-    <mc:Fallback>
+    <mc:Fallback xmlns="">
       <p:transition spd="med">
         <p:fade/>
       </p:transition>
@@ -26357,17 +26009,7 @@
                   <a:latin typeface="微軟正黑體" panose="020B0604030504040204" pitchFamily="34" charset="-120"/>
                   <a:ea typeface="微軟正黑體" panose="020B0604030504040204" pitchFamily="34" charset="-120"/>
                 </a:rPr>
-                <a:t>模擬</a:t>
-              </a:r>
-              <a:r>
-                <a:rPr lang="zh-TW" altLang="en-US" sz="1600" dirty="0" smtClean="0">
-                  <a:solidFill>
-                    <a:schemeClr val="bg1"/>
-                  </a:solidFill>
-                  <a:latin typeface="微軟正黑體" panose="020B0604030504040204" pitchFamily="34" charset="-120"/>
-                  <a:ea typeface="微軟正黑體" panose="020B0604030504040204" pitchFamily="34" charset="-120"/>
-                </a:rPr>
-                <a:t>次數</a:t>
+                <a:t>模擬次數</a:t>
               </a:r>
               <a:endParaRPr lang="en-US" altLang="zh-TW" sz="1600" dirty="0">
                 <a:solidFill>
@@ -26823,13 +26465,13 @@
   <p:clrMapOvr>
     <a:masterClrMapping/>
   </p:clrMapOvr>
-  <mc:AlternateContent xmlns:mc="http://schemas.openxmlformats.org/markup-compatibility/2006">
-    <mc:Choice xmlns:p14="http://schemas.microsoft.com/office/powerpoint/2010/main" Requires="p14">
+  <mc:AlternateContent xmlns:mc="http://schemas.openxmlformats.org/markup-compatibility/2006" xmlns:p14="http://schemas.microsoft.com/office/powerpoint/2010/main">
+    <mc:Choice Requires="p14">
       <p:transition spd="med" p14:dur="700">
         <p:fade/>
       </p:transition>
     </mc:Choice>
-    <mc:Fallback>
+    <mc:Fallback xmlns="">
       <p:transition spd="med">
         <p:fade/>
       </p:transition>
